--- a/slides/02-data-science-workflow.pptx
+++ b/slides/02-data-science-workflow.pptx
@@ -3225,7 +3225,7 @@
             <a:fld id="{B61BEF0D-F0BB-DE4B-95CE-6DB70DBA9567}" type="datetimeFigureOut">
               <a:rPr lang="en-US" dirty="0"/>
               <a:pPr/>
-              <a:t>3/27/2019</a:t>
+              <a:t>11/4/2019</a:t>
             </a:fld>
             <a:endParaRPr lang="en-US" dirty="0"/>
           </a:p>
@@ -3473,7 +3473,7 @@
             <a:fld id="{B61BEF0D-F0BB-DE4B-95CE-6DB70DBA9567}" type="datetimeFigureOut">
               <a:rPr lang="en-US" dirty="0"/>
               <a:pPr/>
-              <a:t>3/27/2019</a:t>
+              <a:t>11/4/2019</a:t>
             </a:fld>
             <a:endParaRPr lang="en-US" dirty="0"/>
           </a:p>
@@ -3784,7 +3784,7 @@
             <a:fld id="{B61BEF0D-F0BB-DE4B-95CE-6DB70DBA9567}" type="datetimeFigureOut">
               <a:rPr lang="en-US" dirty="0"/>
               <a:pPr/>
-              <a:t>3/27/2019</a:t>
+              <a:t>11/4/2019</a:t>
             </a:fld>
             <a:endParaRPr lang="en-US" dirty="0"/>
           </a:p>
@@ -4108,7 +4108,7 @@
             <a:fld id="{B61BEF0D-F0BB-DE4B-95CE-6DB70DBA9567}" type="datetimeFigureOut">
               <a:rPr lang="en-US" dirty="0"/>
               <a:pPr/>
-              <a:t>3/27/2019</a:t>
+              <a:t>11/4/2019</a:t>
             </a:fld>
             <a:endParaRPr lang="en-US" dirty="0"/>
           </a:p>
@@ -4419,7 +4419,7 @@
             <a:fld id="{B61BEF0D-F0BB-DE4B-95CE-6DB70DBA9567}" type="datetimeFigureOut">
               <a:rPr lang="en-US" dirty="0"/>
               <a:pPr/>
-              <a:t>3/27/2019</a:t>
+              <a:t>11/4/2019</a:t>
             </a:fld>
             <a:endParaRPr lang="en-US" dirty="0"/>
           </a:p>
@@ -4803,7 +4803,7 @@
             <a:fld id="{B61BEF0D-F0BB-DE4B-95CE-6DB70DBA9567}" type="datetimeFigureOut">
               <a:rPr lang="en-US" dirty="0"/>
               <a:pPr/>
-              <a:t>3/27/2019</a:t>
+              <a:t>11/4/2019</a:t>
             </a:fld>
             <a:endParaRPr lang="en-US" dirty="0"/>
           </a:p>
@@ -4969,7 +4969,7 @@
           <a:p>
             <a:fld id="{55C6B4A9-1611-4792-9094-5F34BCA07E0B}" type="datetimeFigureOut">
               <a:rPr lang="en-US" dirty="0"/>
-              <a:t>3/27/2019</a:t>
+              <a:t>11/4/2019</a:t>
             </a:fld>
             <a:endParaRPr lang="en-US" dirty="0"/>
           </a:p>
@@ -5145,7 +5145,7 @@
             <a:fld id="{B61BEF0D-F0BB-DE4B-95CE-6DB70DBA9567}" type="datetimeFigureOut">
               <a:rPr lang="en-US" dirty="0"/>
               <a:pPr/>
-              <a:t>3/27/2019</a:t>
+              <a:t>11/4/2019</a:t>
             </a:fld>
             <a:endParaRPr lang="en-US" dirty="0"/>
           </a:p>
@@ -5311,7 +5311,7 @@
           <a:p>
             <a:fld id="{42A54C80-263E-416B-A8E0-580EDEADCBDC}" type="datetimeFigureOut">
               <a:rPr lang="en-US" dirty="0"/>
-              <a:t>3/27/2019</a:t>
+              <a:t>11/4/2019</a:t>
             </a:fld>
             <a:endParaRPr lang="en-US" dirty="0"/>
           </a:p>
@@ -5556,7 +5556,7 @@
             <a:fld id="{B61BEF0D-F0BB-DE4B-95CE-6DB70DBA9567}" type="datetimeFigureOut">
               <a:rPr lang="en-US" dirty="0"/>
               <a:pPr/>
-              <a:t>3/27/2019</a:t>
+              <a:t>11/4/2019</a:t>
             </a:fld>
             <a:endParaRPr lang="en-US" dirty="0"/>
           </a:p>
@@ -5784,7 +5784,7 @@
           <a:p>
             <a:fld id="{42A54C80-263E-416B-A8E0-580EDEADCBDC}" type="datetimeFigureOut">
               <a:rPr lang="en-US" dirty="0"/>
-              <a:t>3/27/2019</a:t>
+              <a:t>11/4/2019</a:t>
             </a:fld>
             <a:endParaRPr lang="en-US" dirty="0"/>
           </a:p>
@@ -6154,7 +6154,7 @@
             <a:fld id="{B61BEF0D-F0BB-DE4B-95CE-6DB70DBA9567}" type="datetimeFigureOut">
               <a:rPr lang="en-US" dirty="0"/>
               <a:pPr/>
-              <a:t>3/27/2019</a:t>
+              <a:t>11/4/2019</a:t>
             </a:fld>
             <a:endParaRPr lang="en-US" dirty="0"/>
           </a:p>
@@ -6274,7 +6274,7 @@
             <a:fld id="{B61BEF0D-F0BB-DE4B-95CE-6DB70DBA9567}" type="datetimeFigureOut">
               <a:rPr lang="en-US" dirty="0"/>
               <a:pPr/>
-              <a:t>3/27/2019</a:t>
+              <a:t>11/4/2019</a:t>
             </a:fld>
             <a:endParaRPr lang="en-US" dirty="0"/>
           </a:p>
@@ -6366,7 +6366,7 @@
             <a:fld id="{B61BEF0D-F0BB-DE4B-95CE-6DB70DBA9567}" type="datetimeFigureOut">
               <a:rPr lang="en-US" dirty="0"/>
               <a:pPr/>
-              <a:t>3/27/2019</a:t>
+              <a:t>11/4/2019</a:t>
             </a:fld>
             <a:endParaRPr lang="en-US" dirty="0"/>
           </a:p>
@@ -6617,7 +6617,7 @@
           <a:p>
             <a:fld id="{42A54C80-263E-416B-A8E0-580EDEADCBDC}" type="datetimeFigureOut">
               <a:rPr lang="en-US" dirty="0"/>
-              <a:t>3/27/2019</a:t>
+              <a:t>11/4/2019</a:t>
             </a:fld>
             <a:endParaRPr lang="en-US" dirty="0"/>
           </a:p>
@@ -6876,7 +6876,7 @@
             <a:fld id="{B61BEF0D-F0BB-DE4B-95CE-6DB70DBA9567}" type="datetimeFigureOut">
               <a:rPr lang="en-US" dirty="0"/>
               <a:pPr/>
-              <a:t>3/27/2019</a:t>
+              <a:t>11/4/2019</a:t>
             </a:fld>
             <a:endParaRPr lang="en-US" dirty="0"/>
           </a:p>
@@ -7086,7 +7086,7 @@
             <a:fld id="{B61BEF0D-F0BB-DE4B-95CE-6DB70DBA9567}" type="datetimeFigureOut">
               <a:rPr lang="en-US" dirty="0"/>
               <a:pPr/>
-              <a:t>3/27/2019</a:t>
+              <a:t>11/4/2019</a:t>
             </a:fld>
             <a:endParaRPr lang="en-US" dirty="0"/>
           </a:p>
@@ -27224,8 +27224,8 @@
           </p:blipFill>
           <p:spPr bwMode="auto">
             <a:xfrm>
-              <a:off x="8026151" y="4237662"/>
-              <a:ext cx="777310" cy="398370"/>
+              <a:off x="8110140" y="4275829"/>
+              <a:ext cx="614129" cy="314740"/>
             </a:xfrm>
             <a:prstGeom prst="rect">
               <a:avLst/>

--- a/slides/02-data-science-workflow.pptx
+++ b/slides/02-data-science-workflow.pptx
@@ -3225,7 +3225,7 @@
             <a:fld id="{B61BEF0D-F0BB-DE4B-95CE-6DB70DBA9567}" type="datetimeFigureOut">
               <a:rPr lang="en-US" dirty="0"/>
               <a:pPr/>
-              <a:t>11/4/2019</a:t>
+              <a:t>11/17/2020</a:t>
             </a:fld>
             <a:endParaRPr lang="en-US" dirty="0"/>
           </a:p>
@@ -3473,7 +3473,7 @@
             <a:fld id="{B61BEF0D-F0BB-DE4B-95CE-6DB70DBA9567}" type="datetimeFigureOut">
               <a:rPr lang="en-US" dirty="0"/>
               <a:pPr/>
-              <a:t>11/4/2019</a:t>
+              <a:t>11/17/2020</a:t>
             </a:fld>
             <a:endParaRPr lang="en-US" dirty="0"/>
           </a:p>
@@ -3784,7 +3784,7 @@
             <a:fld id="{B61BEF0D-F0BB-DE4B-95CE-6DB70DBA9567}" type="datetimeFigureOut">
               <a:rPr lang="en-US" dirty="0"/>
               <a:pPr/>
-              <a:t>11/4/2019</a:t>
+              <a:t>11/17/2020</a:t>
             </a:fld>
             <a:endParaRPr lang="en-US" dirty="0"/>
           </a:p>
@@ -4108,7 +4108,7 @@
             <a:fld id="{B61BEF0D-F0BB-DE4B-95CE-6DB70DBA9567}" type="datetimeFigureOut">
               <a:rPr lang="en-US" dirty="0"/>
               <a:pPr/>
-              <a:t>11/4/2019</a:t>
+              <a:t>11/17/2020</a:t>
             </a:fld>
             <a:endParaRPr lang="en-US" dirty="0"/>
           </a:p>
@@ -4419,7 +4419,7 @@
             <a:fld id="{B61BEF0D-F0BB-DE4B-95CE-6DB70DBA9567}" type="datetimeFigureOut">
               <a:rPr lang="en-US" dirty="0"/>
               <a:pPr/>
-              <a:t>11/4/2019</a:t>
+              <a:t>11/17/2020</a:t>
             </a:fld>
             <a:endParaRPr lang="en-US" dirty="0"/>
           </a:p>
@@ -4803,7 +4803,7 @@
             <a:fld id="{B61BEF0D-F0BB-DE4B-95CE-6DB70DBA9567}" type="datetimeFigureOut">
               <a:rPr lang="en-US" dirty="0"/>
               <a:pPr/>
-              <a:t>11/4/2019</a:t>
+              <a:t>11/17/2020</a:t>
             </a:fld>
             <a:endParaRPr lang="en-US" dirty="0"/>
           </a:p>
@@ -4969,7 +4969,7 @@
           <a:p>
             <a:fld id="{55C6B4A9-1611-4792-9094-5F34BCA07E0B}" type="datetimeFigureOut">
               <a:rPr lang="en-US" dirty="0"/>
-              <a:t>11/4/2019</a:t>
+              <a:t>11/17/2020</a:t>
             </a:fld>
             <a:endParaRPr lang="en-US" dirty="0"/>
           </a:p>
@@ -5145,7 +5145,7 @@
             <a:fld id="{B61BEF0D-F0BB-DE4B-95CE-6DB70DBA9567}" type="datetimeFigureOut">
               <a:rPr lang="en-US" dirty="0"/>
               <a:pPr/>
-              <a:t>11/4/2019</a:t>
+              <a:t>11/17/2020</a:t>
             </a:fld>
             <a:endParaRPr lang="en-US" dirty="0"/>
           </a:p>
@@ -5311,7 +5311,7 @@
           <a:p>
             <a:fld id="{42A54C80-263E-416B-A8E0-580EDEADCBDC}" type="datetimeFigureOut">
               <a:rPr lang="en-US" dirty="0"/>
-              <a:t>11/4/2019</a:t>
+              <a:t>11/17/2020</a:t>
             </a:fld>
             <a:endParaRPr lang="en-US" dirty="0"/>
           </a:p>
@@ -5556,7 +5556,7 @@
             <a:fld id="{B61BEF0D-F0BB-DE4B-95CE-6DB70DBA9567}" type="datetimeFigureOut">
               <a:rPr lang="en-US" dirty="0"/>
               <a:pPr/>
-              <a:t>11/4/2019</a:t>
+              <a:t>11/17/2020</a:t>
             </a:fld>
             <a:endParaRPr lang="en-US" dirty="0"/>
           </a:p>
@@ -5784,7 +5784,7 @@
           <a:p>
             <a:fld id="{42A54C80-263E-416B-A8E0-580EDEADCBDC}" type="datetimeFigureOut">
               <a:rPr lang="en-US" dirty="0"/>
-              <a:t>11/4/2019</a:t>
+              <a:t>11/17/2020</a:t>
             </a:fld>
             <a:endParaRPr lang="en-US" dirty="0"/>
           </a:p>
@@ -6154,7 +6154,7 @@
             <a:fld id="{B61BEF0D-F0BB-DE4B-95CE-6DB70DBA9567}" type="datetimeFigureOut">
               <a:rPr lang="en-US" dirty="0"/>
               <a:pPr/>
-              <a:t>11/4/2019</a:t>
+              <a:t>11/17/2020</a:t>
             </a:fld>
             <a:endParaRPr lang="en-US" dirty="0"/>
           </a:p>
@@ -6274,7 +6274,7 @@
             <a:fld id="{B61BEF0D-F0BB-DE4B-95CE-6DB70DBA9567}" type="datetimeFigureOut">
               <a:rPr lang="en-US" dirty="0"/>
               <a:pPr/>
-              <a:t>11/4/2019</a:t>
+              <a:t>11/17/2020</a:t>
             </a:fld>
             <a:endParaRPr lang="en-US" dirty="0"/>
           </a:p>
@@ -6366,7 +6366,7 @@
             <a:fld id="{B61BEF0D-F0BB-DE4B-95CE-6DB70DBA9567}" type="datetimeFigureOut">
               <a:rPr lang="en-US" dirty="0"/>
               <a:pPr/>
-              <a:t>11/4/2019</a:t>
+              <a:t>11/17/2020</a:t>
             </a:fld>
             <a:endParaRPr lang="en-US" dirty="0"/>
           </a:p>
@@ -6617,7 +6617,7 @@
           <a:p>
             <a:fld id="{42A54C80-263E-416B-A8E0-580EDEADCBDC}" type="datetimeFigureOut">
               <a:rPr lang="en-US" dirty="0"/>
-              <a:t>11/4/2019</a:t>
+              <a:t>11/17/2020</a:t>
             </a:fld>
             <a:endParaRPr lang="en-US" dirty="0"/>
           </a:p>
@@ -6876,7 +6876,7 @@
             <a:fld id="{B61BEF0D-F0BB-DE4B-95CE-6DB70DBA9567}" type="datetimeFigureOut">
               <a:rPr lang="en-US" dirty="0"/>
               <a:pPr/>
-              <a:t>11/4/2019</a:t>
+              <a:t>11/17/2020</a:t>
             </a:fld>
             <a:endParaRPr lang="en-US" dirty="0"/>
           </a:p>
@@ -7086,7 +7086,7 @@
             <a:fld id="{B61BEF0D-F0BB-DE4B-95CE-6DB70DBA9567}" type="datetimeFigureOut">
               <a:rPr lang="en-US" dirty="0"/>
               <a:pPr/>
-              <a:t>11/4/2019</a:t>
+              <a:t>11/17/2020</a:t>
             </a:fld>
             <a:endParaRPr lang="en-US" dirty="0"/>
           </a:p>
@@ -8828,15 +8828,7 @@
             </a:r>
             <a:r>
               <a:rPr lang="ko-KR" altLang="en-US" dirty="0"/>
-              <a:t>를 </a:t>
-            </a:r>
-            <a:r>
-              <a:rPr lang="ko-KR" altLang="en-US" dirty="0" err="1"/>
-              <a:t>동작시키려면</a:t>
-            </a:r>
-            <a:r>
-              <a:rPr lang="ko-KR" altLang="en-US" dirty="0"/>
-              <a:t> 데이터 처리 내용 기술을 위해 자바 언어로 프로그래밍을 해야 했음</a:t>
+              <a:t>를 동작 시키려면 데이터 처리 내용 기술을 위해 자바 언어로 프로그래밍을 해야 했음</a:t>
             </a:r>
             <a:br>
               <a:rPr lang="en-US" altLang="ko-KR" dirty="0"/>
